--- a/14-15. Đèn thông minh/Đèn thông minh phần 2 Dùng Alexa Skill điều khiển thiết bị IoT.pptx
+++ b/14-15. Đèn thông minh/Đèn thông minh phần 2 Dùng Alexa Skill điều khiển thiết bị IoT.pptx
@@ -5,12 +5,13 @@
     <p:sldMasterId id="2147483648" r:id="rId1"/>
   </p:sldMasterIdLst>
   <p:notesMasterIdLst>
-    <p:notesMasterId r:id="rId5"/>
+    <p:notesMasterId r:id="rId6"/>
   </p:notesMasterIdLst>
   <p:sldIdLst>
     <p:sldId id="285" r:id="rId2"/>
     <p:sldId id="310" r:id="rId3"/>
     <p:sldId id="308" r:id="rId4"/>
+    <p:sldId id="311" r:id="rId5"/>
   </p:sldIdLst>
   <p:sldSz cx="12192000" cy="6858000"/>
   <p:notesSz cx="6858000" cy="9144000"/>
@@ -136,8 +137,8 @@
   </pc:docChgLst>
   <pc:docChgLst>
     <pc:chgData name="Huong Nguyen" userId="a3438fb82b5343a2" providerId="LiveId" clId="{38122176-8C49-4201-92F5-C276AFB8EA4D}"/>
-    <pc:docChg chg="modSld">
-      <pc:chgData name="Huong Nguyen" userId="a3438fb82b5343a2" providerId="LiveId" clId="{38122176-8C49-4201-92F5-C276AFB8EA4D}" dt="2018-09-18T16:55:17.540" v="19" actId="1582"/>
+    <pc:docChg chg="undo custSel addSld modSld sldOrd">
+      <pc:chgData name="Huong Nguyen" userId="a3438fb82b5343a2" providerId="LiveId" clId="{38122176-8C49-4201-92F5-C276AFB8EA4D}" dt="2018-09-29T06:57:12.319" v="35"/>
       <pc:docMkLst>
         <pc:docMk/>
       </pc:docMkLst>
@@ -171,6 +172,45 @@
           </ac:spMkLst>
         </pc:spChg>
       </pc:sldChg>
+      <pc:sldChg chg="addSp delSp modSp add ord">
+        <pc:chgData name="Huong Nguyen" userId="a3438fb82b5343a2" providerId="LiveId" clId="{38122176-8C49-4201-92F5-C276AFB8EA4D}" dt="2018-09-29T06:57:12.319" v="35"/>
+        <pc:sldMkLst>
+          <pc:docMk/>
+          <pc:sldMk cId="2115405461" sldId="311"/>
+        </pc:sldMkLst>
+        <pc:spChg chg="del">
+          <ac:chgData name="Huong Nguyen" userId="a3438fb82b5343a2" providerId="LiveId" clId="{38122176-8C49-4201-92F5-C276AFB8EA4D}" dt="2018-09-29T06:56:55.847" v="29" actId="478"/>
+          <ac:spMkLst>
+            <pc:docMk/>
+            <pc:sldMk cId="2115405461" sldId="311"/>
+            <ac:spMk id="2" creationId="{69CB4F50-C162-4D2F-AC85-4C3979F352D8}"/>
+          </ac:spMkLst>
+        </pc:spChg>
+        <pc:spChg chg="del">
+          <ac:chgData name="Huong Nguyen" userId="a3438fb82b5343a2" providerId="LiveId" clId="{38122176-8C49-4201-92F5-C276AFB8EA4D}" dt="2018-09-29T06:50:33.860" v="21" actId="478"/>
+          <ac:spMkLst>
+            <pc:docMk/>
+            <pc:sldMk cId="2115405461" sldId="311"/>
+            <ac:spMk id="3" creationId="{2BAF3144-8611-4CFD-AF83-0E9A40E78501}"/>
+          </ac:spMkLst>
+        </pc:spChg>
+        <pc:picChg chg="add del mod">
+          <ac:chgData name="Huong Nguyen" userId="a3438fb82b5343a2" providerId="LiveId" clId="{38122176-8C49-4201-92F5-C276AFB8EA4D}" dt="2018-09-29T06:56:49.204" v="26" actId="478"/>
+          <ac:picMkLst>
+            <pc:docMk/>
+            <pc:sldMk cId="2115405461" sldId="311"/>
+            <ac:picMk id="5" creationId="{C93BA78A-88C7-4A0E-A0DB-B9568B8BCC8F}"/>
+          </ac:picMkLst>
+        </pc:picChg>
+        <pc:picChg chg="add mod">
+          <ac:chgData name="Huong Nguyen" userId="a3438fb82b5343a2" providerId="LiveId" clId="{38122176-8C49-4201-92F5-C276AFB8EA4D}" dt="2018-09-29T06:57:08.089" v="34" actId="1076"/>
+          <ac:picMkLst>
+            <pc:docMk/>
+            <pc:sldMk cId="2115405461" sldId="311"/>
+            <ac:picMk id="7" creationId="{BFD4D8D6-D108-44C9-8265-60C455BBFA0D}"/>
+          </ac:picMkLst>
+        </pc:picChg>
+      </pc:sldChg>
     </pc:docChg>
   </pc:docChgLst>
 </pc:chgInfo>
@@ -258,7 +298,7 @@
           <a:p>
             <a:fld id="{7C73E1C4-0E57-49E6-A5B1-CF2F2E9F2E1A}" type="datetimeFigureOut">
               <a:rPr lang="en-US" smtClean="0"/>
-              <a:t>09/18/2018</a:t>
+              <a:t>09/29/2018</a:t>
             </a:fld>
             <a:endParaRPr lang="en-US"/>
           </a:p>
@@ -1035,7 +1075,7 @@
           <a:p>
             <a:fld id="{F1C761E4-4213-4FD4-9B54-B60716A2CCD2}" type="datetimeFigureOut">
               <a:rPr lang="en-US" smtClean="0"/>
-              <a:t>09/18/2018</a:t>
+              <a:t>09/29/2018</a:t>
             </a:fld>
             <a:endParaRPr lang="en-US"/>
           </a:p>
@@ -1235,7 +1275,7 @@
           <a:p>
             <a:fld id="{F1C761E4-4213-4FD4-9B54-B60716A2CCD2}" type="datetimeFigureOut">
               <a:rPr lang="en-US" smtClean="0"/>
-              <a:t>09/18/2018</a:t>
+              <a:t>09/29/2018</a:t>
             </a:fld>
             <a:endParaRPr lang="en-US"/>
           </a:p>
@@ -1445,7 +1485,7 @@
           <a:p>
             <a:fld id="{F1C761E4-4213-4FD4-9B54-B60716A2CCD2}" type="datetimeFigureOut">
               <a:rPr lang="en-US" smtClean="0"/>
-              <a:t>09/18/2018</a:t>
+              <a:t>09/29/2018</a:t>
             </a:fld>
             <a:endParaRPr lang="en-US"/>
           </a:p>
@@ -1877,7 +1917,7 @@
           <a:p>
             <a:fld id="{F1C761E4-4213-4FD4-9B54-B60716A2CCD2}" type="datetimeFigureOut">
               <a:rPr lang="en-US" smtClean="0"/>
-              <a:t>09/18/2018</a:t>
+              <a:t>09/29/2018</a:t>
             </a:fld>
             <a:endParaRPr lang="en-US"/>
           </a:p>
@@ -2153,7 +2193,7 @@
           <a:p>
             <a:fld id="{F1C761E4-4213-4FD4-9B54-B60716A2CCD2}" type="datetimeFigureOut">
               <a:rPr lang="en-US" smtClean="0"/>
-              <a:t>09/18/2018</a:t>
+              <a:t>09/29/2018</a:t>
             </a:fld>
             <a:endParaRPr lang="en-US"/>
           </a:p>
@@ -2421,7 +2461,7 @@
           <a:p>
             <a:fld id="{F1C761E4-4213-4FD4-9B54-B60716A2CCD2}" type="datetimeFigureOut">
               <a:rPr lang="en-US" smtClean="0"/>
-              <a:t>09/18/2018</a:t>
+              <a:t>09/29/2018</a:t>
             </a:fld>
             <a:endParaRPr lang="en-US"/>
           </a:p>
@@ -2836,7 +2876,7 @@
           <a:p>
             <a:fld id="{F1C761E4-4213-4FD4-9B54-B60716A2CCD2}" type="datetimeFigureOut">
               <a:rPr lang="en-US" smtClean="0"/>
-              <a:t>09/18/2018</a:t>
+              <a:t>09/29/2018</a:t>
             </a:fld>
             <a:endParaRPr lang="en-US"/>
           </a:p>
@@ -2978,7 +3018,7 @@
           <a:p>
             <a:fld id="{F1C761E4-4213-4FD4-9B54-B60716A2CCD2}" type="datetimeFigureOut">
               <a:rPr lang="en-US" smtClean="0"/>
-              <a:t>09/18/2018</a:t>
+              <a:t>09/29/2018</a:t>
             </a:fld>
             <a:endParaRPr lang="en-US"/>
           </a:p>
@@ -3091,7 +3131,7 @@
           <a:p>
             <a:fld id="{F1C761E4-4213-4FD4-9B54-B60716A2CCD2}" type="datetimeFigureOut">
               <a:rPr lang="en-US" smtClean="0"/>
-              <a:t>09/18/2018</a:t>
+              <a:t>09/29/2018</a:t>
             </a:fld>
             <a:endParaRPr lang="en-US"/>
           </a:p>
@@ -3404,7 +3444,7 @@
           <a:p>
             <a:fld id="{F1C761E4-4213-4FD4-9B54-B60716A2CCD2}" type="datetimeFigureOut">
               <a:rPr lang="en-US" smtClean="0"/>
-              <a:t>09/18/2018</a:t>
+              <a:t>09/29/2018</a:t>
             </a:fld>
             <a:endParaRPr lang="en-US"/>
           </a:p>
@@ -3693,7 +3733,7 @@
           <a:p>
             <a:fld id="{F1C761E4-4213-4FD4-9B54-B60716A2CCD2}" type="datetimeFigureOut">
               <a:rPr lang="en-US" smtClean="0"/>
-              <a:t>09/18/2018</a:t>
+              <a:t>09/29/2018</a:t>
             </a:fld>
             <a:endParaRPr lang="en-US"/>
           </a:p>
@@ -3936,7 +3976,7 @@
           <a:p>
             <a:fld id="{F1C761E4-4213-4FD4-9B54-B60716A2CCD2}" type="datetimeFigureOut">
               <a:rPr lang="en-US" smtClean="0"/>
-              <a:t>09/18/2018</a:t>
+              <a:t>09/29/2018</a:t>
             </a:fld>
             <a:endParaRPr lang="en-US"/>
           </a:p>
@@ -6312,6 +6352,72 @@
     <p:extLst>
       <p:ext uri="{BB962C8B-B14F-4D97-AF65-F5344CB8AC3E}">
         <p14:creationId xmlns:p14="http://schemas.microsoft.com/office/powerpoint/2010/main" val="116559371"/>
+      </p:ext>
+    </p:extLst>
+  </p:cSld>
+  <p:clrMapOvr>
+    <a:masterClrMapping/>
+  </p:clrMapOvr>
+</p:sld>
+</file>
+
+<file path=ppt/slides/slide4.xml><?xml version="1.0" encoding="utf-8"?>
+<p:sld xmlns:a="http://schemas.openxmlformats.org/drawingml/2006/main" xmlns:r="http://schemas.openxmlformats.org/officeDocument/2006/relationships" xmlns:p="http://schemas.openxmlformats.org/presentationml/2006/main">
+  <p:cSld>
+    <p:spTree>
+      <p:nvGrpSpPr>
+        <p:cNvPr id="1" name=""/>
+        <p:cNvGrpSpPr/>
+        <p:nvPr/>
+      </p:nvGrpSpPr>
+      <p:grpSpPr>
+        <a:xfrm>
+          <a:off x="0" y="0"/>
+          <a:ext cx="0" cy="0"/>
+          <a:chOff x="0" y="0"/>
+          <a:chExt cx="0" cy="0"/>
+        </a:xfrm>
+      </p:grpSpPr>
+      <p:pic>
+        <p:nvPicPr>
+          <p:cNvPr id="7" name="Hình ảnh 6">
+            <a:extLst>
+              <a:ext uri="{FF2B5EF4-FFF2-40B4-BE49-F238E27FC236}">
+                <a16:creationId xmlns:a16="http://schemas.microsoft.com/office/drawing/2014/main" id="{BFD4D8D6-D108-44C9-8265-60C455BBFA0D}"/>
+              </a:ext>
+            </a:extLst>
+          </p:cNvPr>
+          <p:cNvPicPr>
+            <a:picLocks noChangeAspect="1"/>
+          </p:cNvPicPr>
+          <p:nvPr/>
+        </p:nvPicPr>
+        <p:blipFill>
+          <a:blip r:embed="rId2">
+            <a:extLst>
+              <a:ext uri="{28A0092B-C50C-407E-A947-70E740481C1C}">
+                <a14:useLocalDpi xmlns:a14="http://schemas.microsoft.com/office/drawing/2010/main" val="0"/>
+              </a:ext>
+            </a:extLst>
+          </a:blip>
+          <a:stretch>
+            <a:fillRect/>
+          </a:stretch>
+        </p:blipFill>
+        <p:spPr>
+          <a:xfrm>
+            <a:off x="1329872" y="361809"/>
+            <a:ext cx="9257338" cy="6134381"/>
+          </a:xfrm>
+          <a:prstGeom prst="rect">
+            <a:avLst/>
+          </a:prstGeom>
+        </p:spPr>
+      </p:pic>
+    </p:spTree>
+    <p:extLst>
+      <p:ext uri="{BB962C8B-B14F-4D97-AF65-F5344CB8AC3E}">
+        <p14:creationId xmlns:p14="http://schemas.microsoft.com/office/powerpoint/2010/main" val="2115405461"/>
       </p:ext>
     </p:extLst>
   </p:cSld>
